--- a/global_plot.pptx
+++ b/global_plot.pptx
@@ -15265,7 +15265,7 @@
         <c:crossAx val="522885624"/>
         <c:crosses val="max"/>
         <c:crossBetween val="midCat"/>
-        <c:majorUnit val="5000"/>
+        <c:majorUnit val="4000"/>
       </c:valAx>
       <c:valAx>
         <c:axId val="522885624"/>
@@ -21474,7 +21474,7 @@
         <c:crossAx val="513880848"/>
         <c:crosses val="max"/>
         <c:crossBetween val="midCat"/>
-        <c:majorUnit val="5000"/>
+        <c:majorUnit val="4000"/>
       </c:valAx>
       <c:valAx>
         <c:axId val="513880848"/>
@@ -50094,7 +50094,7 @@
           <p:nvPr>
             <p:extLst>
               <p:ext uri="{D42A27DB-BD31-4B8C-83A1-F6EECF244321}">
-                <p14:modId xmlns:p14="http://schemas.microsoft.com/office/powerpoint/2010/main" val="477916233"/>
+                <p14:modId xmlns:p14="http://schemas.microsoft.com/office/powerpoint/2010/main" val="4266827481"/>
               </p:ext>
             </p:extLst>
           </p:nvPr>
@@ -50176,7 +50176,7 @@
           <p:nvPr>
             <p:extLst>
               <p:ext uri="{D42A27DB-BD31-4B8C-83A1-F6EECF244321}">
-                <p14:modId xmlns:p14="http://schemas.microsoft.com/office/powerpoint/2010/main" val="1169762659"/>
+                <p14:modId xmlns:p14="http://schemas.microsoft.com/office/powerpoint/2010/main" val="897000195"/>
               </p:ext>
             </p:extLst>
           </p:nvPr>
@@ -50488,7 +50488,7 @@
           <p:nvPr>
             <p:extLst>
               <p:ext uri="{D42A27DB-BD31-4B8C-83A1-F6EECF244321}">
-                <p14:modId xmlns:p14="http://schemas.microsoft.com/office/powerpoint/2010/main" val="3681356053"/>
+                <p14:modId xmlns:p14="http://schemas.microsoft.com/office/powerpoint/2010/main" val="1901509922"/>
               </p:ext>
             </p:extLst>
           </p:nvPr>
